--- a/previews/main view.pptx
+++ b/previews/main view.pptx
@@ -106,6 +106,11 @@
       </a:defRPr>
     </a:lvl9pPr>
   </p:defaultTextStyle>
+  <p:extLst>
+    <p:ext uri="{EFAFB233-063F-42B5-8137-9DF3F51BA10A}">
+      <p15:sldGuideLst xmlns:p15="http://schemas.microsoft.com/office/powerpoint/2012/main"/>
+    </p:ext>
+  </p:extLst>
 </p:presentation>
 </file>
 
@@ -256,7 +261,7 @@
           <a:p>
             <a:fld id="{29B455BE-F93B-4523-971E-98F616892588}" type="datetimeFigureOut">
               <a:rPr lang="en-US" smtClean="0"/>
-              <a:t>5/21/2021</a:t>
+              <a:t>6/5/2021</a:t>
             </a:fld>
             <a:endParaRPr lang="en-US"/>
           </a:p>
@@ -454,7 +459,7 @@
           <a:p>
             <a:fld id="{29B455BE-F93B-4523-971E-98F616892588}" type="datetimeFigureOut">
               <a:rPr lang="en-US" smtClean="0"/>
-              <a:t>5/21/2021</a:t>
+              <a:t>6/5/2021</a:t>
             </a:fld>
             <a:endParaRPr lang="en-US"/>
           </a:p>
@@ -662,7 +667,7 @@
           <a:p>
             <a:fld id="{29B455BE-F93B-4523-971E-98F616892588}" type="datetimeFigureOut">
               <a:rPr lang="en-US" smtClean="0"/>
-              <a:t>5/21/2021</a:t>
+              <a:t>6/5/2021</a:t>
             </a:fld>
             <a:endParaRPr lang="en-US"/>
           </a:p>
@@ -860,7 +865,7 @@
           <a:p>
             <a:fld id="{29B455BE-F93B-4523-971E-98F616892588}" type="datetimeFigureOut">
               <a:rPr lang="en-US" smtClean="0"/>
-              <a:t>5/21/2021</a:t>
+              <a:t>6/5/2021</a:t>
             </a:fld>
             <a:endParaRPr lang="en-US"/>
           </a:p>
@@ -1135,7 +1140,7 @@
           <a:p>
             <a:fld id="{29B455BE-F93B-4523-971E-98F616892588}" type="datetimeFigureOut">
               <a:rPr lang="en-US" smtClean="0"/>
-              <a:t>5/21/2021</a:t>
+              <a:t>6/5/2021</a:t>
             </a:fld>
             <a:endParaRPr lang="en-US"/>
           </a:p>
@@ -1400,7 +1405,7 @@
           <a:p>
             <a:fld id="{29B455BE-F93B-4523-971E-98F616892588}" type="datetimeFigureOut">
               <a:rPr lang="en-US" smtClean="0"/>
-              <a:t>5/21/2021</a:t>
+              <a:t>6/5/2021</a:t>
             </a:fld>
             <a:endParaRPr lang="en-US"/>
           </a:p>
@@ -1812,7 +1817,7 @@
           <a:p>
             <a:fld id="{29B455BE-F93B-4523-971E-98F616892588}" type="datetimeFigureOut">
               <a:rPr lang="en-US" smtClean="0"/>
-              <a:t>5/21/2021</a:t>
+              <a:t>6/5/2021</a:t>
             </a:fld>
             <a:endParaRPr lang="en-US"/>
           </a:p>
@@ -1953,7 +1958,7 @@
           <a:p>
             <a:fld id="{29B455BE-F93B-4523-971E-98F616892588}" type="datetimeFigureOut">
               <a:rPr lang="en-US" smtClean="0"/>
-              <a:t>5/21/2021</a:t>
+              <a:t>6/5/2021</a:t>
             </a:fld>
             <a:endParaRPr lang="en-US"/>
           </a:p>
@@ -2066,7 +2071,7 @@
           <a:p>
             <a:fld id="{29B455BE-F93B-4523-971E-98F616892588}" type="datetimeFigureOut">
               <a:rPr lang="en-US" smtClean="0"/>
-              <a:t>5/21/2021</a:t>
+              <a:t>6/5/2021</a:t>
             </a:fld>
             <a:endParaRPr lang="en-US"/>
           </a:p>
@@ -2377,7 +2382,7 @@
           <a:p>
             <a:fld id="{29B455BE-F93B-4523-971E-98F616892588}" type="datetimeFigureOut">
               <a:rPr lang="en-US" smtClean="0"/>
-              <a:t>5/21/2021</a:t>
+              <a:t>6/5/2021</a:t>
             </a:fld>
             <a:endParaRPr lang="en-US"/>
           </a:p>
@@ -2665,7 +2670,7 @@
           <a:p>
             <a:fld id="{29B455BE-F93B-4523-971E-98F616892588}" type="datetimeFigureOut">
               <a:rPr lang="en-US" smtClean="0"/>
-              <a:t>5/21/2021</a:t>
+              <a:t>6/5/2021</a:t>
             </a:fld>
             <a:endParaRPr lang="en-US"/>
           </a:p>
@@ -2906,7 +2911,7 @@
           <a:p>
             <a:fld id="{29B455BE-F93B-4523-971E-98F616892588}" type="datetimeFigureOut">
               <a:rPr lang="en-US" smtClean="0"/>
-              <a:t>5/21/2021</a:t>
+              <a:t>6/5/2021</a:t>
             </a:fld>
             <a:endParaRPr lang="en-US"/>
           </a:p>
@@ -4120,7 +4125,7 @@
         </p:nvSpPr>
         <p:spPr>
           <a:xfrm>
-            <a:off x="3916687" y="5656217"/>
+            <a:off x="4059206" y="5360594"/>
             <a:ext cx="1097280" cy="457200"/>
           </a:xfrm>
           <a:prstGeom prst="rect">
@@ -4151,55 +4156,6 @@
             <a:r>
               <a:rPr lang="en-US" sz="1400" dirty="0"/>
               <a:t>RESET</a:t>
-            </a:r>
-          </a:p>
-        </p:txBody>
-      </p:sp>
-      <p:sp>
-        <p:nvSpPr>
-          <p:cNvPr id="23" name="Rectangle 22">
-            <a:extLst>
-              <a:ext uri="{FF2B5EF4-FFF2-40B4-BE49-F238E27FC236}">
-                <a16:creationId xmlns:a16="http://schemas.microsoft.com/office/drawing/2014/main" id="{8F17204B-734C-4494-8EC1-CB5E29FB370C}"/>
-              </a:ext>
-            </a:extLst>
-          </p:cNvPr>
-          <p:cNvSpPr/>
-          <p:nvPr/>
-        </p:nvSpPr>
-        <p:spPr>
-          <a:xfrm>
-            <a:off x="3905175" y="4670138"/>
-            <a:ext cx="1097280" cy="457200"/>
-          </a:xfrm>
-          <a:prstGeom prst="rect">
-            <a:avLst/>
-          </a:prstGeom>
-        </p:spPr>
-        <p:style>
-          <a:lnRef idx="2">
-            <a:schemeClr val="accent1">
-              <a:shade val="50000"/>
-            </a:schemeClr>
-          </a:lnRef>
-          <a:fillRef idx="1">
-            <a:schemeClr val="accent1"/>
-          </a:fillRef>
-          <a:effectRef idx="0">
-            <a:schemeClr val="accent1"/>
-          </a:effectRef>
-          <a:fontRef idx="minor">
-            <a:schemeClr val="lt1"/>
-          </a:fontRef>
-        </p:style>
-        <p:txBody>
-          <a:bodyPr rtlCol="0" anchor="ctr"/>
-          <a:lstStyle/>
-          <a:p>
-            <a:pPr algn="ctr"/>
-            <a:r>
-              <a:rPr lang="en-US" sz="1400" dirty="0"/>
-              <a:t>NEW</a:t>
             </a:r>
           </a:p>
         </p:txBody>
@@ -4294,7 +4250,7 @@
         </p:nvSpPr>
         <p:spPr>
           <a:xfrm>
-            <a:off x="6640907" y="4670138"/>
+            <a:off x="4059206" y="4562986"/>
             <a:ext cx="1097280" cy="457200"/>
           </a:xfrm>
           <a:prstGeom prst="rect">
@@ -4343,7 +4299,7 @@
         </p:nvSpPr>
         <p:spPr>
           <a:xfrm>
-            <a:off x="6728152" y="5414170"/>
+            <a:off x="6457720" y="4958757"/>
             <a:ext cx="1097280" cy="457200"/>
           </a:xfrm>
           <a:prstGeom prst="rect">
